--- a/DataBootCampProject1images.pptx
+++ b/DataBootCampProject1images.pptx
@@ -4,6 +4,9 @@
   <p:sldMasterIdLst>
     <p:sldMasterId id="2147483648" r:id="rId1"/>
   </p:sldMasterIdLst>
+  <p:notesMasterIdLst>
+    <p:notesMasterId r:id="rId7"/>
+  </p:notesMasterIdLst>
   <p:sldIdLst>
     <p:sldId id="256" r:id="rId2"/>
     <p:sldId id="257" r:id="rId3"/>
@@ -109,6 +112,816 @@
     </a:lvl9pPr>
   </p:defaultTextStyle>
 </p:presentation>
+</file>
+
+<file path=ppt/notesMasters/notesMaster1.xml><?xml version="1.0" encoding="utf-8"?>
+<p:notesMaster xmlns:a="http://schemas.openxmlformats.org/drawingml/2006/main" xmlns:r="http://schemas.openxmlformats.org/officeDocument/2006/relationships" xmlns:p="http://schemas.openxmlformats.org/presentationml/2006/main">
+  <p:cSld>
+    <p:bg>
+      <p:bgRef idx="1001">
+        <a:schemeClr val="bg1"/>
+      </p:bgRef>
+    </p:bg>
+    <p:spTree>
+      <p:nvGrpSpPr>
+        <p:cNvPr id="1" name=""/>
+        <p:cNvGrpSpPr/>
+        <p:nvPr/>
+      </p:nvGrpSpPr>
+      <p:grpSpPr>
+        <a:xfrm>
+          <a:off x="0" y="0"/>
+          <a:ext cx="0" cy="0"/>
+          <a:chOff x="0" y="0"/>
+          <a:chExt cx="0" cy="0"/>
+        </a:xfrm>
+      </p:grpSpPr>
+      <p:sp>
+        <p:nvSpPr>
+          <p:cNvPr id="2" name="Header Placeholder 1"/>
+          <p:cNvSpPr>
+            <a:spLocks noGrp="1"/>
+          </p:cNvSpPr>
+          <p:nvPr>
+            <p:ph type="hdr" sz="quarter"/>
+          </p:nvPr>
+        </p:nvSpPr>
+        <p:spPr>
+          <a:xfrm>
+            <a:off x="0" y="0"/>
+            <a:ext cx="2971800" cy="458788"/>
+          </a:xfrm>
+          <a:prstGeom prst="rect">
+            <a:avLst/>
+          </a:prstGeom>
+        </p:spPr>
+        <p:txBody>
+          <a:bodyPr vert="horz" lIns="91440" tIns="45720" rIns="91440" bIns="45720" rtlCol="0"/>
+          <a:lstStyle>
+            <a:lvl1pPr algn="l">
+              <a:defRPr sz="1200"/>
+            </a:lvl1pPr>
+          </a:lstStyle>
+          <a:p>
+            <a:endParaRPr lang="en-US"/>
+          </a:p>
+        </p:txBody>
+      </p:sp>
+      <p:sp>
+        <p:nvSpPr>
+          <p:cNvPr id="3" name="Date Placeholder 2"/>
+          <p:cNvSpPr>
+            <a:spLocks noGrp="1"/>
+          </p:cNvSpPr>
+          <p:nvPr>
+            <p:ph type="dt" idx="1"/>
+          </p:nvPr>
+        </p:nvSpPr>
+        <p:spPr>
+          <a:xfrm>
+            <a:off x="3884613" y="0"/>
+            <a:ext cx="2971800" cy="458788"/>
+          </a:xfrm>
+          <a:prstGeom prst="rect">
+            <a:avLst/>
+          </a:prstGeom>
+        </p:spPr>
+        <p:txBody>
+          <a:bodyPr vert="horz" lIns="91440" tIns="45720" rIns="91440" bIns="45720" rtlCol="0"/>
+          <a:lstStyle>
+            <a:lvl1pPr algn="r">
+              <a:defRPr sz="1200"/>
+            </a:lvl1pPr>
+          </a:lstStyle>
+          <a:p>
+            <a:fld id="{5645E992-FD66-BB4D-A3E7-9D555F6C2B33}" type="datetimeFigureOut">
+              <a:rPr lang="en-US" smtClean="0"/>
+              <a:t>6/13/19</a:t>
+            </a:fld>
+            <a:endParaRPr lang="en-US"/>
+          </a:p>
+        </p:txBody>
+      </p:sp>
+      <p:sp>
+        <p:nvSpPr>
+          <p:cNvPr id="4" name="Slide Image Placeholder 3"/>
+          <p:cNvSpPr>
+            <a:spLocks noGrp="1" noRot="1" noChangeAspect="1"/>
+          </p:cNvSpPr>
+          <p:nvPr>
+            <p:ph type="sldImg" idx="2"/>
+          </p:nvPr>
+        </p:nvSpPr>
+        <p:spPr>
+          <a:xfrm>
+            <a:off x="685800" y="1143000"/>
+            <a:ext cx="5486400" cy="3086100"/>
+          </a:xfrm>
+          <a:prstGeom prst="rect">
+            <a:avLst/>
+          </a:prstGeom>
+          <a:noFill/>
+          <a:ln w="12700">
+            <a:solidFill>
+              <a:prstClr val="black"/>
+            </a:solidFill>
+          </a:ln>
+        </p:spPr>
+        <p:txBody>
+          <a:bodyPr vert="horz" lIns="91440" tIns="45720" rIns="91440" bIns="45720" rtlCol="0" anchor="ctr"/>
+          <a:lstStyle/>
+          <a:p>
+            <a:endParaRPr lang="en-US"/>
+          </a:p>
+        </p:txBody>
+      </p:sp>
+      <p:sp>
+        <p:nvSpPr>
+          <p:cNvPr id="5" name="Notes Placeholder 4"/>
+          <p:cNvSpPr>
+            <a:spLocks noGrp="1"/>
+          </p:cNvSpPr>
+          <p:nvPr>
+            <p:ph type="body" sz="quarter" idx="3"/>
+          </p:nvPr>
+        </p:nvSpPr>
+        <p:spPr>
+          <a:xfrm>
+            <a:off x="685800" y="4400550"/>
+            <a:ext cx="5486400" cy="3600450"/>
+          </a:xfrm>
+          <a:prstGeom prst="rect">
+            <a:avLst/>
+          </a:prstGeom>
+        </p:spPr>
+        <p:txBody>
+          <a:bodyPr vert="horz" lIns="91440" tIns="45720" rIns="91440" bIns="45720" rtlCol="0"/>
+          <a:lstStyle/>
+          <a:p>
+            <a:pPr lvl="0"/>
+            <a:r>
+              <a:rPr lang="en-US"/>
+              <a:t>Click to edit Master text styles</a:t>
+            </a:r>
+          </a:p>
+          <a:p>
+            <a:pPr lvl="1"/>
+            <a:r>
+              <a:rPr lang="en-US"/>
+              <a:t>Second level</a:t>
+            </a:r>
+          </a:p>
+          <a:p>
+            <a:pPr lvl="2"/>
+            <a:r>
+              <a:rPr lang="en-US"/>
+              <a:t>Third level</a:t>
+            </a:r>
+          </a:p>
+          <a:p>
+            <a:pPr lvl="3"/>
+            <a:r>
+              <a:rPr lang="en-US"/>
+              <a:t>Fourth level</a:t>
+            </a:r>
+          </a:p>
+          <a:p>
+            <a:pPr lvl="4"/>
+            <a:r>
+              <a:rPr lang="en-US"/>
+              <a:t>Fifth level</a:t>
+            </a:r>
+          </a:p>
+        </p:txBody>
+      </p:sp>
+      <p:sp>
+        <p:nvSpPr>
+          <p:cNvPr id="6" name="Footer Placeholder 5"/>
+          <p:cNvSpPr>
+            <a:spLocks noGrp="1"/>
+          </p:cNvSpPr>
+          <p:nvPr>
+            <p:ph type="ftr" sz="quarter" idx="4"/>
+          </p:nvPr>
+        </p:nvSpPr>
+        <p:spPr>
+          <a:xfrm>
+            <a:off x="0" y="8685213"/>
+            <a:ext cx="2971800" cy="458787"/>
+          </a:xfrm>
+          <a:prstGeom prst="rect">
+            <a:avLst/>
+          </a:prstGeom>
+        </p:spPr>
+        <p:txBody>
+          <a:bodyPr vert="horz" lIns="91440" tIns="45720" rIns="91440" bIns="45720" rtlCol="0" anchor="b"/>
+          <a:lstStyle>
+            <a:lvl1pPr algn="l">
+              <a:defRPr sz="1200"/>
+            </a:lvl1pPr>
+          </a:lstStyle>
+          <a:p>
+            <a:endParaRPr lang="en-US"/>
+          </a:p>
+        </p:txBody>
+      </p:sp>
+      <p:sp>
+        <p:nvSpPr>
+          <p:cNvPr id="7" name="Slide Number Placeholder 6"/>
+          <p:cNvSpPr>
+            <a:spLocks noGrp="1"/>
+          </p:cNvSpPr>
+          <p:nvPr>
+            <p:ph type="sldNum" sz="quarter" idx="5"/>
+          </p:nvPr>
+        </p:nvSpPr>
+        <p:spPr>
+          <a:xfrm>
+            <a:off x="3884613" y="8685213"/>
+            <a:ext cx="2971800" cy="458787"/>
+          </a:xfrm>
+          <a:prstGeom prst="rect">
+            <a:avLst/>
+          </a:prstGeom>
+        </p:spPr>
+        <p:txBody>
+          <a:bodyPr vert="horz" lIns="91440" tIns="45720" rIns="91440" bIns="45720" rtlCol="0" anchor="b"/>
+          <a:lstStyle>
+            <a:lvl1pPr algn="r">
+              <a:defRPr sz="1200"/>
+            </a:lvl1pPr>
+          </a:lstStyle>
+          <a:p>
+            <a:fld id="{8DDB4B21-029A-6D4F-BA60-C29E9FBCA19C}" type="slidenum">
+              <a:rPr lang="en-US" smtClean="0"/>
+              <a:t>‹#›</a:t>
+            </a:fld>
+            <a:endParaRPr lang="en-US"/>
+          </a:p>
+        </p:txBody>
+      </p:sp>
+    </p:spTree>
+    <p:extLst>
+      <p:ext uri="{BB962C8B-B14F-4D97-AF65-F5344CB8AC3E}">
+        <p14:creationId xmlns:p14="http://schemas.microsoft.com/office/powerpoint/2010/main" val="2671619102"/>
+      </p:ext>
+    </p:extLst>
+  </p:cSld>
+  <p:clrMap bg1="lt1" tx1="dk1" bg2="lt2" tx2="dk2" accent1="accent1" accent2="accent2" accent3="accent3" accent4="accent4" accent5="accent5" accent6="accent6" hlink="hlink" folHlink="folHlink"/>
+  <p:notesStyle>
+    <a:lvl1pPr marL="0" algn="l" defTabSz="914400" rtl="0" eaLnBrk="1" latinLnBrk="0" hangingPunct="1">
+      <a:defRPr sz="1200" kern="1200">
+        <a:solidFill>
+          <a:schemeClr val="tx1"/>
+        </a:solidFill>
+        <a:latin typeface="+mn-lt"/>
+        <a:ea typeface="+mn-ea"/>
+        <a:cs typeface="+mn-cs"/>
+      </a:defRPr>
+    </a:lvl1pPr>
+    <a:lvl2pPr marL="457200" algn="l" defTabSz="914400" rtl="0" eaLnBrk="1" latinLnBrk="0" hangingPunct="1">
+      <a:defRPr sz="1200" kern="1200">
+        <a:solidFill>
+          <a:schemeClr val="tx1"/>
+        </a:solidFill>
+        <a:latin typeface="+mn-lt"/>
+        <a:ea typeface="+mn-ea"/>
+        <a:cs typeface="+mn-cs"/>
+      </a:defRPr>
+    </a:lvl2pPr>
+    <a:lvl3pPr marL="914400" algn="l" defTabSz="914400" rtl="0" eaLnBrk="1" latinLnBrk="0" hangingPunct="1">
+      <a:defRPr sz="1200" kern="1200">
+        <a:solidFill>
+          <a:schemeClr val="tx1"/>
+        </a:solidFill>
+        <a:latin typeface="+mn-lt"/>
+        <a:ea typeface="+mn-ea"/>
+        <a:cs typeface="+mn-cs"/>
+      </a:defRPr>
+    </a:lvl3pPr>
+    <a:lvl4pPr marL="1371600" algn="l" defTabSz="914400" rtl="0" eaLnBrk="1" latinLnBrk="0" hangingPunct="1">
+      <a:defRPr sz="1200" kern="1200">
+        <a:solidFill>
+          <a:schemeClr val="tx1"/>
+        </a:solidFill>
+        <a:latin typeface="+mn-lt"/>
+        <a:ea typeface="+mn-ea"/>
+        <a:cs typeface="+mn-cs"/>
+      </a:defRPr>
+    </a:lvl4pPr>
+    <a:lvl5pPr marL="1828800" algn="l" defTabSz="914400" rtl="0" eaLnBrk="1" latinLnBrk="0" hangingPunct="1">
+      <a:defRPr sz="1200" kern="1200">
+        <a:solidFill>
+          <a:schemeClr val="tx1"/>
+        </a:solidFill>
+        <a:latin typeface="+mn-lt"/>
+        <a:ea typeface="+mn-ea"/>
+        <a:cs typeface="+mn-cs"/>
+      </a:defRPr>
+    </a:lvl5pPr>
+    <a:lvl6pPr marL="2286000" algn="l" defTabSz="914400" rtl="0" eaLnBrk="1" latinLnBrk="0" hangingPunct="1">
+      <a:defRPr sz="1200" kern="1200">
+        <a:solidFill>
+          <a:schemeClr val="tx1"/>
+        </a:solidFill>
+        <a:latin typeface="+mn-lt"/>
+        <a:ea typeface="+mn-ea"/>
+        <a:cs typeface="+mn-cs"/>
+      </a:defRPr>
+    </a:lvl6pPr>
+    <a:lvl7pPr marL="2743200" algn="l" defTabSz="914400" rtl="0" eaLnBrk="1" latinLnBrk="0" hangingPunct="1">
+      <a:defRPr sz="1200" kern="1200">
+        <a:solidFill>
+          <a:schemeClr val="tx1"/>
+        </a:solidFill>
+        <a:latin typeface="+mn-lt"/>
+        <a:ea typeface="+mn-ea"/>
+        <a:cs typeface="+mn-cs"/>
+      </a:defRPr>
+    </a:lvl7pPr>
+    <a:lvl8pPr marL="3200400" algn="l" defTabSz="914400" rtl="0" eaLnBrk="1" latinLnBrk="0" hangingPunct="1">
+      <a:defRPr sz="1200" kern="1200">
+        <a:solidFill>
+          <a:schemeClr val="tx1"/>
+        </a:solidFill>
+        <a:latin typeface="+mn-lt"/>
+        <a:ea typeface="+mn-ea"/>
+        <a:cs typeface="+mn-cs"/>
+      </a:defRPr>
+    </a:lvl8pPr>
+    <a:lvl9pPr marL="3657600" algn="l" defTabSz="914400" rtl="0" eaLnBrk="1" latinLnBrk="0" hangingPunct="1">
+      <a:defRPr sz="1200" kern="1200">
+        <a:solidFill>
+          <a:schemeClr val="tx1"/>
+        </a:solidFill>
+        <a:latin typeface="+mn-lt"/>
+        <a:ea typeface="+mn-ea"/>
+        <a:cs typeface="+mn-cs"/>
+      </a:defRPr>
+    </a:lvl9pPr>
+  </p:notesStyle>
+</p:notesMaster>
+</file>
+
+<file path=ppt/notesSlides/notesSlide1.xml><?xml version="1.0" encoding="utf-8"?>
+<p:notes xmlns:a="http://schemas.openxmlformats.org/drawingml/2006/main" xmlns:r="http://schemas.openxmlformats.org/officeDocument/2006/relationships" xmlns:p="http://schemas.openxmlformats.org/presentationml/2006/main">
+  <p:cSld>
+    <p:spTree>
+      <p:nvGrpSpPr>
+        <p:cNvPr id="1" name=""/>
+        <p:cNvGrpSpPr/>
+        <p:nvPr/>
+      </p:nvGrpSpPr>
+      <p:grpSpPr>
+        <a:xfrm>
+          <a:off x="0" y="0"/>
+          <a:ext cx="0" cy="0"/>
+          <a:chOff x="0" y="0"/>
+          <a:chExt cx="0" cy="0"/>
+        </a:xfrm>
+      </p:grpSpPr>
+      <p:sp>
+        <p:nvSpPr>
+          <p:cNvPr id="2" name="Slide Image Placeholder 1"/>
+          <p:cNvSpPr>
+            <a:spLocks noGrp="1" noRot="1" noChangeAspect="1"/>
+          </p:cNvSpPr>
+          <p:nvPr>
+            <p:ph type="sldImg"/>
+          </p:nvPr>
+        </p:nvSpPr>
+        <p:spPr/>
+      </p:sp>
+      <p:sp>
+        <p:nvSpPr>
+          <p:cNvPr id="3" name="Notes Placeholder 2"/>
+          <p:cNvSpPr>
+            <a:spLocks noGrp="1"/>
+          </p:cNvSpPr>
+          <p:nvPr>
+            <p:ph type="body" idx="1"/>
+          </p:nvPr>
+        </p:nvSpPr>
+        <p:spPr/>
+        <p:txBody>
+          <a:bodyPr/>
+          <a:lstStyle/>
+          <a:p>
+            <a:r>
+              <a:rPr lang="en-US" dirty="0"/>
+              <a:t>Salary Ranking: California – Northeastern - Southern - Western - Midwestern</a:t>
+            </a:r>
+          </a:p>
+          <a:p>
+            <a:r>
+              <a:rPr lang="en-US" dirty="0"/>
+              <a:t>A boxplot was used to compare the dispersion of salaries among the regions. Based upon our analysis, there is a trend between the highest and lowest paying regions. The Western, Midwestern, and Southern Regions were the lowest earning regions at the start of their careers.  After 10 years of the start of their careers, people living in the aforementioned regions where still the lowest paid among the five regions. </a:t>
+            </a:r>
+          </a:p>
+          <a:p>
+            <a:r>
+              <a:rPr lang="en-US" dirty="0"/>
+              <a:t>When we conducted an ANOVA test to either reject the Null (no-difference) Hypothesis , or accept the Alternate (different) Hypothesis the. Our statistics assessment results were outside of the normal distribution, rejecting the Null Hypothesis. To conclude, there is a significant difference in Starting Salary and Mid Career Salaries between </a:t>
+            </a:r>
+            <a:r>
+              <a:rPr lang="en-US"/>
+              <a:t>the regions. </a:t>
+            </a:r>
+            <a:endParaRPr lang="en-US" dirty="0"/>
+          </a:p>
+          <a:p>
+            <a:endParaRPr lang="en-US" dirty="0"/>
+          </a:p>
+          <a:p>
+            <a:r>
+              <a:rPr lang="en-US" dirty="0" err="1"/>
+              <a:t>KhanAcademy</a:t>
+            </a:r>
+            <a:r>
+              <a:rPr lang="en-US" dirty="0"/>
+              <a:t>: Normal Distribution</a:t>
+            </a:r>
+          </a:p>
+        </p:txBody>
+      </p:sp>
+      <p:sp>
+        <p:nvSpPr>
+          <p:cNvPr id="4" name="Slide Number Placeholder 3"/>
+          <p:cNvSpPr>
+            <a:spLocks noGrp="1"/>
+          </p:cNvSpPr>
+          <p:nvPr>
+            <p:ph type="sldNum" sz="quarter" idx="5"/>
+          </p:nvPr>
+        </p:nvSpPr>
+        <p:spPr/>
+        <p:txBody>
+          <a:bodyPr/>
+          <a:lstStyle/>
+          <a:p>
+            <a:fld id="{8DDB4B21-029A-6D4F-BA60-C29E9FBCA19C}" type="slidenum">
+              <a:rPr lang="en-US" smtClean="0"/>
+              <a:t>2</a:t>
+            </a:fld>
+            <a:endParaRPr lang="en-US"/>
+          </a:p>
+        </p:txBody>
+      </p:sp>
+    </p:spTree>
+    <p:extLst>
+      <p:ext uri="{BB962C8B-B14F-4D97-AF65-F5344CB8AC3E}">
+        <p14:creationId xmlns:p14="http://schemas.microsoft.com/office/powerpoint/2010/main" val="1203007475"/>
+      </p:ext>
+    </p:extLst>
+  </p:cSld>
+  <p:clrMapOvr>
+    <a:masterClrMapping/>
+  </p:clrMapOvr>
+</p:notes>
+</file>
+
+<file path=ppt/notesSlides/notesSlide2.xml><?xml version="1.0" encoding="utf-8"?>
+<p:notes xmlns:a="http://schemas.openxmlformats.org/drawingml/2006/main" xmlns:r="http://schemas.openxmlformats.org/officeDocument/2006/relationships" xmlns:p="http://schemas.openxmlformats.org/presentationml/2006/main">
+  <p:cSld>
+    <p:spTree>
+      <p:nvGrpSpPr>
+        <p:cNvPr id="1" name=""/>
+        <p:cNvGrpSpPr/>
+        <p:nvPr/>
+      </p:nvGrpSpPr>
+      <p:grpSpPr>
+        <a:xfrm>
+          <a:off x="0" y="0"/>
+          <a:ext cx="0" cy="0"/>
+          <a:chOff x="0" y="0"/>
+          <a:chExt cx="0" cy="0"/>
+        </a:xfrm>
+      </p:grpSpPr>
+      <p:sp>
+        <p:nvSpPr>
+          <p:cNvPr id="2" name="Slide Image Placeholder 1"/>
+          <p:cNvSpPr>
+            <a:spLocks noGrp="1" noRot="1" noChangeAspect="1"/>
+          </p:cNvSpPr>
+          <p:nvPr>
+            <p:ph type="sldImg"/>
+          </p:nvPr>
+        </p:nvSpPr>
+        <p:spPr/>
+      </p:sp>
+      <p:sp>
+        <p:nvSpPr>
+          <p:cNvPr id="3" name="Notes Placeholder 2"/>
+          <p:cNvSpPr>
+            <a:spLocks noGrp="1"/>
+          </p:cNvSpPr>
+          <p:nvPr>
+            <p:ph type="body" idx="1"/>
+          </p:nvPr>
+        </p:nvSpPr>
+        <p:spPr/>
+        <p:txBody>
+          <a:bodyPr/>
+          <a:lstStyle/>
+          <a:p>
+            <a:r>
+              <a:rPr lang="en-US" dirty="0"/>
+              <a:t>Salary Ranking:</a:t>
+            </a:r>
+          </a:p>
+          <a:p>
+            <a:r>
+              <a:rPr lang="en-US" dirty="0"/>
+              <a:t>	Northeastern</a:t>
+            </a:r>
+          </a:p>
+          <a:p>
+            <a:r>
+              <a:rPr lang="en-US" dirty="0"/>
+              <a:t>	California	</a:t>
+            </a:r>
+          </a:p>
+          <a:p>
+            <a:r>
+              <a:rPr lang="en-US" dirty="0"/>
+              <a:t>	Southern</a:t>
+            </a:r>
+          </a:p>
+          <a:p>
+            <a:r>
+              <a:rPr lang="en-US" dirty="0"/>
+              <a:t>	Midwestern</a:t>
+            </a:r>
+          </a:p>
+          <a:p>
+            <a:r>
+              <a:rPr lang="en-US" dirty="0"/>
+              <a:t>	Western</a:t>
+            </a:r>
+          </a:p>
+          <a:p>
+            <a:r>
+              <a:rPr lang="en-US" dirty="0"/>
+              <a:t>From staring starting salary to mid career, the trend is the same. When we get to the top 10% of the mid-career salary people, we notice the overall trend seems the same, however California’s mean salary ranks 2</a:t>
+            </a:r>
+            <a:r>
+              <a:rPr lang="en-US" baseline="30000" dirty="0"/>
+              <a:t>nd</a:t>
+            </a:r>
+            <a:r>
+              <a:rPr lang="en-US" dirty="0"/>
+              <a:t> to Northeastern. If you are looking to be among the top earners by mid-career, the Northeastern region would be a strong consideration for school a choice. </a:t>
+            </a:r>
+          </a:p>
+          <a:p>
+            <a:endParaRPr lang="en-US" dirty="0"/>
+          </a:p>
+        </p:txBody>
+      </p:sp>
+      <p:sp>
+        <p:nvSpPr>
+          <p:cNvPr id="4" name="Slide Number Placeholder 3"/>
+          <p:cNvSpPr>
+            <a:spLocks noGrp="1"/>
+          </p:cNvSpPr>
+          <p:nvPr>
+            <p:ph type="sldNum" sz="quarter" idx="5"/>
+          </p:nvPr>
+        </p:nvSpPr>
+        <p:spPr/>
+        <p:txBody>
+          <a:bodyPr/>
+          <a:lstStyle/>
+          <a:p>
+            <a:fld id="{8DDB4B21-029A-6D4F-BA60-C29E9FBCA19C}" type="slidenum">
+              <a:rPr lang="en-US" smtClean="0"/>
+              <a:t>3</a:t>
+            </a:fld>
+            <a:endParaRPr lang="en-US"/>
+          </a:p>
+        </p:txBody>
+      </p:sp>
+    </p:spTree>
+    <p:extLst>
+      <p:ext uri="{BB962C8B-B14F-4D97-AF65-F5344CB8AC3E}">
+        <p14:creationId xmlns:p14="http://schemas.microsoft.com/office/powerpoint/2010/main" val="1230507747"/>
+      </p:ext>
+    </p:extLst>
+  </p:cSld>
+  <p:clrMapOvr>
+    <a:masterClrMapping/>
+  </p:clrMapOvr>
+</p:notes>
+</file>
+
+<file path=ppt/notesSlides/notesSlide3.xml><?xml version="1.0" encoding="utf-8"?>
+<p:notes xmlns:a="http://schemas.openxmlformats.org/drawingml/2006/main" xmlns:r="http://schemas.openxmlformats.org/officeDocument/2006/relationships" xmlns:p="http://schemas.openxmlformats.org/presentationml/2006/main">
+  <p:cSld>
+    <p:spTree>
+      <p:nvGrpSpPr>
+        <p:cNvPr id="1" name=""/>
+        <p:cNvGrpSpPr/>
+        <p:nvPr/>
+      </p:nvGrpSpPr>
+      <p:grpSpPr>
+        <a:xfrm>
+          <a:off x="0" y="0"/>
+          <a:ext cx="0" cy="0"/>
+          <a:chOff x="0" y="0"/>
+          <a:chExt cx="0" cy="0"/>
+        </a:xfrm>
+      </p:grpSpPr>
+      <p:sp>
+        <p:nvSpPr>
+          <p:cNvPr id="2" name="Slide Image Placeholder 1"/>
+          <p:cNvSpPr>
+            <a:spLocks noGrp="1" noRot="1" noChangeAspect="1"/>
+          </p:cNvSpPr>
+          <p:nvPr>
+            <p:ph type="sldImg"/>
+          </p:nvPr>
+        </p:nvSpPr>
+        <p:spPr/>
+      </p:sp>
+      <p:sp>
+        <p:nvSpPr>
+          <p:cNvPr id="3" name="Notes Placeholder 2"/>
+          <p:cNvSpPr>
+            <a:spLocks noGrp="1"/>
+          </p:cNvSpPr>
+          <p:nvPr>
+            <p:ph type="body" idx="1"/>
+          </p:nvPr>
+        </p:nvSpPr>
+        <p:spPr/>
+        <p:txBody>
+          <a:bodyPr/>
+          <a:lstStyle/>
+          <a:p>
+            <a:r>
+              <a:rPr lang="en-US" dirty="0"/>
+              <a:t>Salary Ranking:</a:t>
+            </a:r>
+          </a:p>
+          <a:p>
+            <a:r>
+              <a:rPr lang="en-US" dirty="0"/>
+              <a:t>	California</a:t>
+            </a:r>
+          </a:p>
+          <a:p>
+            <a:r>
+              <a:rPr lang="en-US" dirty="0"/>
+              <a:t>	Northeastern</a:t>
+            </a:r>
+          </a:p>
+          <a:p>
+            <a:r>
+              <a:rPr lang="en-US" dirty="0"/>
+              <a:t>	Western</a:t>
+            </a:r>
+          </a:p>
+          <a:p>
+            <a:r>
+              <a:rPr lang="en-US" dirty="0"/>
+              <a:t>	Southern</a:t>
+            </a:r>
+          </a:p>
+          <a:p>
+            <a:r>
+              <a:rPr lang="en-US" dirty="0"/>
+              <a:t>	Midwestern</a:t>
+            </a:r>
+          </a:p>
+          <a:p>
+            <a:r>
+              <a:rPr lang="en-US" dirty="0"/>
+              <a:t>As we transition from the areas of study that produce the highest earners, we turn our sights to the regions that produce the highest earners from the start to mid-career. We noticed that the lower earning regions had less disparity </a:t>
+            </a:r>
+          </a:p>
+          <a:p>
+            <a:endParaRPr lang="en-US" dirty="0"/>
+          </a:p>
+        </p:txBody>
+      </p:sp>
+      <p:sp>
+        <p:nvSpPr>
+          <p:cNvPr id="4" name="Slide Number Placeholder 3"/>
+          <p:cNvSpPr>
+            <a:spLocks noGrp="1"/>
+          </p:cNvSpPr>
+          <p:nvPr>
+            <p:ph type="sldNum" sz="quarter" idx="5"/>
+          </p:nvPr>
+        </p:nvSpPr>
+        <p:spPr/>
+        <p:txBody>
+          <a:bodyPr/>
+          <a:lstStyle/>
+          <a:p>
+            <a:fld id="{8DDB4B21-029A-6D4F-BA60-C29E9FBCA19C}" type="slidenum">
+              <a:rPr lang="en-US" smtClean="0"/>
+              <a:t>4</a:t>
+            </a:fld>
+            <a:endParaRPr lang="en-US"/>
+          </a:p>
+        </p:txBody>
+      </p:sp>
+    </p:spTree>
+    <p:extLst>
+      <p:ext uri="{BB962C8B-B14F-4D97-AF65-F5344CB8AC3E}">
+        <p14:creationId xmlns:p14="http://schemas.microsoft.com/office/powerpoint/2010/main" val="609295602"/>
+      </p:ext>
+    </p:extLst>
+  </p:cSld>
+  <p:clrMapOvr>
+    <a:masterClrMapping/>
+  </p:clrMapOvr>
+</p:notes>
+</file>
+
+<file path=ppt/notesSlides/notesSlide4.xml><?xml version="1.0" encoding="utf-8"?>
+<p:notes xmlns:a="http://schemas.openxmlformats.org/drawingml/2006/main" xmlns:r="http://schemas.openxmlformats.org/officeDocument/2006/relationships" xmlns:p="http://schemas.openxmlformats.org/presentationml/2006/main">
+  <p:cSld>
+    <p:spTree>
+      <p:nvGrpSpPr>
+        <p:cNvPr id="1" name=""/>
+        <p:cNvGrpSpPr/>
+        <p:nvPr/>
+      </p:nvGrpSpPr>
+      <p:grpSpPr>
+        <a:xfrm>
+          <a:off x="0" y="0"/>
+          <a:ext cx="0" cy="0"/>
+          <a:chOff x="0" y="0"/>
+          <a:chExt cx="0" cy="0"/>
+        </a:xfrm>
+      </p:grpSpPr>
+      <p:sp>
+        <p:nvSpPr>
+          <p:cNvPr id="2" name="Slide Image Placeholder 1"/>
+          <p:cNvSpPr>
+            <a:spLocks noGrp="1" noRot="1" noChangeAspect="1"/>
+          </p:cNvSpPr>
+          <p:nvPr>
+            <p:ph type="sldImg"/>
+          </p:nvPr>
+        </p:nvSpPr>
+        <p:spPr/>
+      </p:sp>
+      <p:sp>
+        <p:nvSpPr>
+          <p:cNvPr id="3" name="Notes Placeholder 2"/>
+          <p:cNvSpPr>
+            <a:spLocks noGrp="1"/>
+          </p:cNvSpPr>
+          <p:nvPr>
+            <p:ph type="body" idx="1"/>
+          </p:nvPr>
+        </p:nvSpPr>
+        <p:spPr/>
+        <p:txBody>
+          <a:bodyPr/>
+          <a:lstStyle/>
+          <a:p>
+            <a:endParaRPr lang="en-US" dirty="0"/>
+          </a:p>
+        </p:txBody>
+      </p:sp>
+      <p:sp>
+        <p:nvSpPr>
+          <p:cNvPr id="4" name="Slide Number Placeholder 3"/>
+          <p:cNvSpPr>
+            <a:spLocks noGrp="1"/>
+          </p:cNvSpPr>
+          <p:nvPr>
+            <p:ph type="sldNum" sz="quarter" idx="5"/>
+          </p:nvPr>
+        </p:nvSpPr>
+        <p:spPr/>
+        <p:txBody>
+          <a:bodyPr/>
+          <a:lstStyle/>
+          <a:p>
+            <a:fld id="{8DDB4B21-029A-6D4F-BA60-C29E9FBCA19C}" type="slidenum">
+              <a:rPr lang="en-US" smtClean="0"/>
+              <a:t>5</a:t>
+            </a:fld>
+            <a:endParaRPr lang="en-US"/>
+          </a:p>
+        </p:txBody>
+      </p:sp>
+    </p:spTree>
+    <p:extLst>
+      <p:ext uri="{BB962C8B-B14F-4D97-AF65-F5344CB8AC3E}">
+        <p14:creationId xmlns:p14="http://schemas.microsoft.com/office/powerpoint/2010/main" val="3728863085"/>
+      </p:ext>
+    </p:extLst>
+  </p:cSld>
+  <p:clrMapOvr>
+    <a:masterClrMapping/>
+  </p:clrMapOvr>
+</p:notes>
 </file>
 
 <file path=ppt/slideLayouts/slideLayout1.xml><?xml version="1.0" encoding="utf-8"?>
@@ -3537,14 +4350,14 @@
           <p:nvPr/>
         </p:nvPicPr>
         <p:blipFill>
-          <a:blip r:embed="rId2"/>
+          <a:blip r:embed="rId3"/>
           <a:stretch>
             <a:fillRect/>
           </a:stretch>
         </p:blipFill>
         <p:spPr>
           <a:xfrm>
-            <a:off x="0" y="990600"/>
+            <a:off x="143436" y="134968"/>
             <a:ext cx="12192000" cy="4876800"/>
           </a:xfrm>
           <a:prstGeom prst="rect">
@@ -3552,6 +4365,71 @@
           </a:prstGeom>
         </p:spPr>
       </p:pic>
+      <p:sp>
+        <p:nvSpPr>
+          <p:cNvPr id="6" name="TextBox 5">
+            <a:extLst>
+              <a:ext uri="{FF2B5EF4-FFF2-40B4-BE49-F238E27FC236}">
+                <a16:creationId xmlns:a16="http://schemas.microsoft.com/office/drawing/2014/main" id="{AE61E5FD-F6D3-7046-B8B7-B31B071CA781}"/>
+              </a:ext>
+            </a:extLst>
+          </p:cNvPr>
+          <p:cNvSpPr txBox="1"/>
+          <p:nvPr/>
+        </p:nvSpPr>
+        <p:spPr>
+          <a:xfrm>
+            <a:off x="1063438" y="4968706"/>
+            <a:ext cx="4476750" cy="1754326"/>
+          </a:xfrm>
+          <a:prstGeom prst="rect">
+            <a:avLst/>
+          </a:prstGeom>
+          <a:noFill/>
+        </p:spPr>
+        <p:txBody>
+          <a:bodyPr wrap="square" rtlCol="0">
+            <a:spAutoFit/>
+          </a:bodyPr>
+          <a:lstStyle/>
+          <a:p>
+            <a:r>
+              <a:rPr lang="en-US" dirty="0"/>
+              <a:t>Salary Ranking:</a:t>
+            </a:r>
+          </a:p>
+          <a:p>
+            <a:r>
+              <a:rPr lang="en-US" dirty="0"/>
+              <a:t>	California</a:t>
+            </a:r>
+          </a:p>
+          <a:p>
+            <a:r>
+              <a:rPr lang="en-US" dirty="0"/>
+              <a:t>	Northeastern</a:t>
+            </a:r>
+          </a:p>
+          <a:p>
+            <a:r>
+              <a:rPr lang="en-US" dirty="0"/>
+              <a:t>	Southern</a:t>
+            </a:r>
+          </a:p>
+          <a:p>
+            <a:r>
+              <a:rPr lang="en-US" dirty="0"/>
+              <a:t>	Western</a:t>
+            </a:r>
+          </a:p>
+          <a:p>
+            <a:r>
+              <a:rPr lang="en-US" dirty="0"/>
+              <a:t>	Midwestern</a:t>
+            </a:r>
+          </a:p>
+        </p:txBody>
+      </p:sp>
     </p:spTree>
     <p:extLst>
       <p:ext uri="{BB962C8B-B14F-4D97-AF65-F5344CB8AC3E}">
@@ -3597,14 +4475,14 @@
           <p:nvPr/>
         </p:nvPicPr>
         <p:blipFill>
-          <a:blip r:embed="rId2"/>
+          <a:blip r:embed="rId3"/>
           <a:stretch>
             <a:fillRect/>
           </a:stretch>
         </p:blipFill>
         <p:spPr>
           <a:xfrm>
-            <a:off x="0" y="990600"/>
+            <a:off x="0" y="129988"/>
             <a:ext cx="12192000" cy="4876800"/>
           </a:xfrm>
           <a:prstGeom prst="rect">
@@ -3612,6 +4490,71 @@
           </a:prstGeom>
         </p:spPr>
       </p:pic>
+      <p:sp>
+        <p:nvSpPr>
+          <p:cNvPr id="5" name="TextBox 4">
+            <a:extLst>
+              <a:ext uri="{FF2B5EF4-FFF2-40B4-BE49-F238E27FC236}">
+                <a16:creationId xmlns:a16="http://schemas.microsoft.com/office/drawing/2014/main" id="{21D77BB7-9B03-234B-A913-EF39ABE22EF3}"/>
+              </a:ext>
+            </a:extLst>
+          </p:cNvPr>
+          <p:cNvSpPr txBox="1"/>
+          <p:nvPr/>
+        </p:nvSpPr>
+        <p:spPr>
+          <a:xfrm>
+            <a:off x="1398493" y="4823012"/>
+            <a:ext cx="5486400" cy="1754326"/>
+          </a:xfrm>
+          <a:prstGeom prst="rect">
+            <a:avLst/>
+          </a:prstGeom>
+          <a:noFill/>
+        </p:spPr>
+        <p:txBody>
+          <a:bodyPr wrap="square" rtlCol="0">
+            <a:spAutoFit/>
+          </a:bodyPr>
+          <a:lstStyle/>
+          <a:p>
+            <a:r>
+              <a:rPr lang="en-US" dirty="0"/>
+              <a:t>Salary Ranking:</a:t>
+            </a:r>
+          </a:p>
+          <a:p>
+            <a:r>
+              <a:rPr lang="en-US" dirty="0"/>
+              <a:t>	Northeastern</a:t>
+            </a:r>
+          </a:p>
+          <a:p>
+            <a:r>
+              <a:rPr lang="en-US" dirty="0"/>
+              <a:t>	California	</a:t>
+            </a:r>
+          </a:p>
+          <a:p>
+            <a:r>
+              <a:rPr lang="en-US" dirty="0"/>
+              <a:t>	Southern</a:t>
+            </a:r>
+          </a:p>
+          <a:p>
+            <a:r>
+              <a:rPr lang="en-US" dirty="0"/>
+              <a:t>	Midwestern</a:t>
+            </a:r>
+          </a:p>
+          <a:p>
+            <a:r>
+              <a:rPr lang="en-US" dirty="0"/>
+              <a:t>	Western</a:t>
+            </a:r>
+          </a:p>
+        </p:txBody>
+      </p:sp>
     </p:spTree>
     <p:extLst>
       <p:ext uri="{BB962C8B-B14F-4D97-AF65-F5344CB8AC3E}">
@@ -3794,14 +4737,14 @@
           <p:nvPr/>
         </p:nvPicPr>
         <p:blipFill>
-          <a:blip r:embed="rId2"/>
+          <a:blip r:embed="rId3"/>
           <a:stretch>
             <a:fillRect/>
           </a:stretch>
         </p:blipFill>
         <p:spPr>
           <a:xfrm>
-            <a:off x="643467" y="1098042"/>
+            <a:off x="643467" y="480060"/>
             <a:ext cx="10905066" cy="4661915"/>
           </a:xfrm>
           <a:prstGeom prst="rect">
@@ -3809,6 +4752,71 @@
           </a:prstGeom>
         </p:spPr>
       </p:pic>
+      <p:sp>
+        <p:nvSpPr>
+          <p:cNvPr id="5" name="TextBox 4">
+            <a:extLst>
+              <a:ext uri="{FF2B5EF4-FFF2-40B4-BE49-F238E27FC236}">
+                <a16:creationId xmlns:a16="http://schemas.microsoft.com/office/drawing/2014/main" id="{4677C3FD-5016-E04B-9C5A-43A8BE4FE621}"/>
+              </a:ext>
+            </a:extLst>
+          </p:cNvPr>
+          <p:cNvSpPr txBox="1"/>
+          <p:nvPr/>
+        </p:nvSpPr>
+        <p:spPr>
+          <a:xfrm>
+            <a:off x="2384612" y="4744872"/>
+            <a:ext cx="4536141" cy="1754326"/>
+          </a:xfrm>
+          <a:prstGeom prst="rect">
+            <a:avLst/>
+          </a:prstGeom>
+          <a:noFill/>
+        </p:spPr>
+        <p:txBody>
+          <a:bodyPr wrap="square" rtlCol="0">
+            <a:spAutoFit/>
+          </a:bodyPr>
+          <a:lstStyle/>
+          <a:p>
+            <a:r>
+              <a:rPr lang="en-US" dirty="0"/>
+              <a:t>Salary Ranking:</a:t>
+            </a:r>
+          </a:p>
+          <a:p>
+            <a:r>
+              <a:rPr lang="en-US" dirty="0"/>
+              <a:t>	California</a:t>
+            </a:r>
+          </a:p>
+          <a:p>
+            <a:r>
+              <a:rPr lang="en-US" dirty="0"/>
+              <a:t>	Northeastern</a:t>
+            </a:r>
+          </a:p>
+          <a:p>
+            <a:r>
+              <a:rPr lang="en-US" dirty="0"/>
+              <a:t>	Western</a:t>
+            </a:r>
+          </a:p>
+          <a:p>
+            <a:r>
+              <a:rPr lang="en-US" dirty="0"/>
+              <a:t>	Southern</a:t>
+            </a:r>
+          </a:p>
+          <a:p>
+            <a:r>
+              <a:rPr lang="en-US" dirty="0"/>
+              <a:t>	Midwestern</a:t>
+            </a:r>
+          </a:p>
+        </p:txBody>
+      </p:sp>
     </p:spTree>
     <p:extLst>
       <p:ext uri="{BB962C8B-B14F-4D97-AF65-F5344CB8AC3E}">
@@ -3991,7 +4999,7 @@
           <p:nvPr/>
         </p:nvPicPr>
         <p:blipFill>
-          <a:blip r:embed="rId2"/>
+          <a:blip r:embed="rId3"/>
           <a:stretch>
             <a:fillRect/>
           </a:stretch>
@@ -4312,4 +5320,299 @@
     </a:ext>
   </a:extLst>
 </a:theme>
+</file>
+
+<file path=ppt/theme/theme2.xml><?xml version="1.0" encoding="utf-8"?>
+<a:theme xmlns:a="http://schemas.openxmlformats.org/drawingml/2006/main" name="Office Theme">
+  <a:themeElements>
+    <a:clrScheme name="Office">
+      <a:dk1>
+        <a:sysClr val="windowText" lastClr="000000"/>
+      </a:dk1>
+      <a:lt1>
+        <a:sysClr val="window" lastClr="FFFFFF"/>
+      </a:lt1>
+      <a:dk2>
+        <a:srgbClr val="44546A"/>
+      </a:dk2>
+      <a:lt2>
+        <a:srgbClr val="E7E6E6"/>
+      </a:lt2>
+      <a:accent1>
+        <a:srgbClr val="4472C4"/>
+      </a:accent1>
+      <a:accent2>
+        <a:srgbClr val="ED7D31"/>
+      </a:accent2>
+      <a:accent3>
+        <a:srgbClr val="A5A5A5"/>
+      </a:accent3>
+      <a:accent4>
+        <a:srgbClr val="FFC000"/>
+      </a:accent4>
+      <a:accent5>
+        <a:srgbClr val="5B9BD5"/>
+      </a:accent5>
+      <a:accent6>
+        <a:srgbClr val="70AD47"/>
+      </a:accent6>
+      <a:hlink>
+        <a:srgbClr val="0563C1"/>
+      </a:hlink>
+      <a:folHlink>
+        <a:srgbClr val="954F72"/>
+      </a:folHlink>
+    </a:clrScheme>
+    <a:fontScheme name="Office">
+      <a:majorFont>
+        <a:latin typeface="Calibri Light" panose="020F0302020204030204"/>
+        <a:ea typeface=""/>
+        <a:cs typeface=""/>
+        <a:font script="Jpan" typeface="游ゴシック Light"/>
+        <a:font script="Hang" typeface="맑은 고딕"/>
+        <a:font script="Hans" typeface="等线 Light"/>
+        <a:font script="Hant" typeface="新細明體"/>
+        <a:font script="Arab" typeface="Times New Roman"/>
+        <a:font script="Hebr" typeface="Times New Roman"/>
+        <a:font script="Thai" typeface="Angsana New"/>
+        <a:font script="Ethi" typeface="Nyala"/>
+        <a:font script="Beng" typeface="Vrinda"/>
+        <a:font script="Gujr" typeface="Shruti"/>
+        <a:font script="Khmr" typeface="MoolBoran"/>
+        <a:font script="Knda" typeface="Tunga"/>
+        <a:font script="Guru" typeface="Raavi"/>
+        <a:font script="Cans" typeface="Euphemia"/>
+        <a:font script="Cher" typeface="Plantagenet Cherokee"/>
+        <a:font script="Yiii" typeface="Microsoft Yi Baiti"/>
+        <a:font script="Tibt" typeface="Microsoft Himalaya"/>
+        <a:font script="Thaa" typeface="MV Boli"/>
+        <a:font script="Deva" typeface="Mangal"/>
+        <a:font script="Telu" typeface="Gautami"/>
+        <a:font script="Taml" typeface="Latha"/>
+        <a:font script="Syrc" typeface="Estrangelo Edessa"/>
+        <a:font script="Orya" typeface="Kalinga"/>
+        <a:font script="Mlym" typeface="Kartika"/>
+        <a:font script="Laoo" typeface="DokChampa"/>
+        <a:font script="Sinh" typeface="Iskoola Pota"/>
+        <a:font script="Mong" typeface="Mongolian Baiti"/>
+        <a:font script="Viet" typeface="Times New Roman"/>
+        <a:font script="Uigh" typeface="Microsoft Uighur"/>
+        <a:font script="Geor" typeface="Sylfaen"/>
+        <a:font script="Armn" typeface="Arial"/>
+        <a:font script="Bugi" typeface="Leelawadee UI"/>
+        <a:font script="Bopo" typeface="Microsoft JhengHei"/>
+        <a:font script="Java" typeface="Javanese Text"/>
+        <a:font script="Lisu" typeface="Segoe UI"/>
+        <a:font script="Mymr" typeface="Myanmar Text"/>
+        <a:font script="Nkoo" typeface="Ebrima"/>
+        <a:font script="Olck" typeface="Nirmala UI"/>
+        <a:font script="Osma" typeface="Ebrima"/>
+        <a:font script="Phag" typeface="Phagspa"/>
+        <a:font script="Syrn" typeface="Estrangelo Edessa"/>
+        <a:font script="Syrj" typeface="Estrangelo Edessa"/>
+        <a:font script="Syre" typeface="Estrangelo Edessa"/>
+        <a:font script="Sora" typeface="Nirmala UI"/>
+        <a:font script="Tale" typeface="Microsoft Tai Le"/>
+        <a:font script="Talu" typeface="Microsoft New Tai Lue"/>
+        <a:font script="Tfng" typeface="Ebrima"/>
+      </a:majorFont>
+      <a:minorFont>
+        <a:latin typeface="Calibri" panose="020F0502020204030204"/>
+        <a:ea typeface=""/>
+        <a:cs typeface=""/>
+        <a:font script="Jpan" typeface="游ゴシック"/>
+        <a:font script="Hang" typeface="맑은 고딕"/>
+        <a:font script="Hans" typeface="等线"/>
+        <a:font script="Hant" typeface="新細明體"/>
+        <a:font script="Arab" typeface="Arial"/>
+        <a:font script="Hebr" typeface="Arial"/>
+        <a:font script="Thai" typeface="Cordia New"/>
+        <a:font script="Ethi" typeface="Nyala"/>
+        <a:font script="Beng" typeface="Vrinda"/>
+        <a:font script="Gujr" typeface="Shruti"/>
+        <a:font script="Khmr" typeface="DaunPenh"/>
+        <a:font script="Knda" typeface="Tunga"/>
+        <a:font script="Guru" typeface="Raavi"/>
+        <a:font script="Cans" typeface="Euphemia"/>
+        <a:font script="Cher" typeface="Plantagenet Cherokee"/>
+        <a:font script="Yiii" typeface="Microsoft Yi Baiti"/>
+        <a:font script="Tibt" typeface="Microsoft Himalaya"/>
+        <a:font script="Thaa" typeface="MV Boli"/>
+        <a:font script="Deva" typeface="Mangal"/>
+        <a:font script="Telu" typeface="Gautami"/>
+        <a:font script="Taml" typeface="Latha"/>
+        <a:font script="Syrc" typeface="Estrangelo Edessa"/>
+        <a:font script="Orya" typeface="Kalinga"/>
+        <a:font script="Mlym" typeface="Kartika"/>
+        <a:font script="Laoo" typeface="DokChampa"/>
+        <a:font script="Sinh" typeface="Iskoola Pota"/>
+        <a:font script="Mong" typeface="Mongolian Baiti"/>
+        <a:font script="Viet" typeface="Arial"/>
+        <a:font script="Uigh" typeface="Microsoft Uighur"/>
+        <a:font script="Geor" typeface="Sylfaen"/>
+        <a:font script="Armn" typeface="Arial"/>
+        <a:font script="Bugi" typeface="Leelawadee UI"/>
+        <a:font script="Bopo" typeface="Microsoft JhengHei"/>
+        <a:font script="Java" typeface="Javanese Text"/>
+        <a:font script="Lisu" typeface="Segoe UI"/>
+        <a:font script="Mymr" typeface="Myanmar Text"/>
+        <a:font script="Nkoo" typeface="Ebrima"/>
+        <a:font script="Olck" typeface="Nirmala UI"/>
+        <a:font script="Osma" typeface="Ebrima"/>
+        <a:font script="Phag" typeface="Phagspa"/>
+        <a:font script="Syrn" typeface="Estrangelo Edessa"/>
+        <a:font script="Syrj" typeface="Estrangelo Edessa"/>
+        <a:font script="Syre" typeface="Estrangelo Edessa"/>
+        <a:font script="Sora" typeface="Nirmala UI"/>
+        <a:font script="Tale" typeface="Microsoft Tai Le"/>
+        <a:font script="Talu" typeface="Microsoft New Tai Lue"/>
+        <a:font script="Tfng" typeface="Ebrima"/>
+      </a:minorFont>
+    </a:fontScheme>
+    <a:fmtScheme name="Office">
+      <a:fillStyleLst>
+        <a:solidFill>
+          <a:schemeClr val="phClr"/>
+        </a:solidFill>
+        <a:gradFill rotWithShape="1">
+          <a:gsLst>
+            <a:gs pos="0">
+              <a:schemeClr val="phClr">
+                <a:lumMod val="110000"/>
+                <a:satMod val="105000"/>
+                <a:tint val="67000"/>
+              </a:schemeClr>
+            </a:gs>
+            <a:gs pos="50000">
+              <a:schemeClr val="phClr">
+                <a:lumMod val="105000"/>
+                <a:satMod val="103000"/>
+                <a:tint val="73000"/>
+              </a:schemeClr>
+            </a:gs>
+            <a:gs pos="100000">
+              <a:schemeClr val="phClr">
+                <a:lumMod val="105000"/>
+                <a:satMod val="109000"/>
+                <a:tint val="81000"/>
+              </a:schemeClr>
+            </a:gs>
+          </a:gsLst>
+          <a:lin ang="5400000" scaled="0"/>
+        </a:gradFill>
+        <a:gradFill rotWithShape="1">
+          <a:gsLst>
+            <a:gs pos="0">
+              <a:schemeClr val="phClr">
+                <a:satMod val="103000"/>
+                <a:lumMod val="102000"/>
+                <a:tint val="94000"/>
+              </a:schemeClr>
+            </a:gs>
+            <a:gs pos="50000">
+              <a:schemeClr val="phClr">
+                <a:satMod val="110000"/>
+                <a:lumMod val="100000"/>
+                <a:shade val="100000"/>
+              </a:schemeClr>
+            </a:gs>
+            <a:gs pos="100000">
+              <a:schemeClr val="phClr">
+                <a:lumMod val="99000"/>
+                <a:satMod val="120000"/>
+                <a:shade val="78000"/>
+              </a:schemeClr>
+            </a:gs>
+          </a:gsLst>
+          <a:lin ang="5400000" scaled="0"/>
+        </a:gradFill>
+      </a:fillStyleLst>
+      <a:lnStyleLst>
+        <a:ln w="6350" cap="flat" cmpd="sng" algn="ctr">
+          <a:solidFill>
+            <a:schemeClr val="phClr"/>
+          </a:solidFill>
+          <a:prstDash val="solid"/>
+          <a:miter lim="800000"/>
+        </a:ln>
+        <a:ln w="12700" cap="flat" cmpd="sng" algn="ctr">
+          <a:solidFill>
+            <a:schemeClr val="phClr"/>
+          </a:solidFill>
+          <a:prstDash val="solid"/>
+          <a:miter lim="800000"/>
+        </a:ln>
+        <a:ln w="19050" cap="flat" cmpd="sng" algn="ctr">
+          <a:solidFill>
+            <a:schemeClr val="phClr"/>
+          </a:solidFill>
+          <a:prstDash val="solid"/>
+          <a:miter lim="800000"/>
+        </a:ln>
+      </a:lnStyleLst>
+      <a:effectStyleLst>
+        <a:effectStyle>
+          <a:effectLst/>
+        </a:effectStyle>
+        <a:effectStyle>
+          <a:effectLst/>
+        </a:effectStyle>
+        <a:effectStyle>
+          <a:effectLst>
+            <a:outerShdw blurRad="57150" dist="19050" dir="5400000" algn="ctr" rotWithShape="0">
+              <a:srgbClr val="000000">
+                <a:alpha val="63000"/>
+              </a:srgbClr>
+            </a:outerShdw>
+          </a:effectLst>
+        </a:effectStyle>
+      </a:effectStyleLst>
+      <a:bgFillStyleLst>
+        <a:solidFill>
+          <a:schemeClr val="phClr"/>
+        </a:solidFill>
+        <a:solidFill>
+          <a:schemeClr val="phClr">
+            <a:tint val="95000"/>
+            <a:satMod val="170000"/>
+          </a:schemeClr>
+        </a:solidFill>
+        <a:gradFill rotWithShape="1">
+          <a:gsLst>
+            <a:gs pos="0">
+              <a:schemeClr val="phClr">
+                <a:tint val="93000"/>
+                <a:satMod val="150000"/>
+                <a:shade val="98000"/>
+                <a:lumMod val="102000"/>
+              </a:schemeClr>
+            </a:gs>
+            <a:gs pos="50000">
+              <a:schemeClr val="phClr">
+                <a:tint val="98000"/>
+                <a:satMod val="130000"/>
+                <a:shade val="90000"/>
+                <a:lumMod val="103000"/>
+              </a:schemeClr>
+            </a:gs>
+            <a:gs pos="100000">
+              <a:schemeClr val="phClr">
+                <a:shade val="63000"/>
+                <a:satMod val="120000"/>
+              </a:schemeClr>
+            </a:gs>
+          </a:gsLst>
+          <a:lin ang="5400000" scaled="0"/>
+        </a:gradFill>
+      </a:bgFillStyleLst>
+    </a:fmtScheme>
+  </a:themeElements>
+  <a:objectDefaults/>
+  <a:extraClrSchemeLst/>
+  <a:extLst>
+    <a:ext uri="{05A4C25C-085E-4340-85A3-A5531E510DB2}">
+      <thm15:themeFamily xmlns:thm15="http://schemas.microsoft.com/office/thememl/2012/main" name="Office Theme" id="{62F939B6-93AF-4DB8-9C6B-D6C7DFDC589F}" vid="{4A3C46E8-61CC-4603-A589-7422A47A8E4A}"/>
+    </a:ext>
+  </a:extLst>
+</a:theme>
 </file>
--- a/DataBootCampProject1images.pptx
+++ b/DataBootCampProject1images.pptx
@@ -5,7 +5,7 @@
     <p:sldMasterId id="2147483648" r:id="rId1"/>
   </p:sldMasterIdLst>
   <p:notesMasterIdLst>
-    <p:notesMasterId r:id="rId7"/>
+    <p:notesMasterId r:id="rId8"/>
   </p:notesMasterIdLst>
   <p:sldIdLst>
     <p:sldId id="256" r:id="rId2"/>
@@ -13,6 +13,7 @@
     <p:sldId id="260" r:id="rId4"/>
     <p:sldId id="259" r:id="rId5"/>
     <p:sldId id="258" r:id="rId6"/>
+    <p:sldId id="261" r:id="rId7"/>
   </p:sldIdLst>
   <p:sldSz cx="12192000" cy="6858000"/>
   <p:notesSz cx="6858000" cy="9144000"/>
@@ -515,19 +516,23 @@
           <a:p>
             <a:r>
               <a:rPr lang="en-US" dirty="0"/>
-              <a:t>A boxplot was used to compare the dispersion of salaries among the regions. Based upon our analysis, there is a trend between the highest and lowest paying regions. The Western, Midwestern, and Southern Regions were the lowest earning regions at the start of their careers.  After 10 years of the start of their careers, people living in the aforementioned regions where still the lowest paid among the five regions. </a:t>
+              <a:t>Boxplots were used to compare the dispersion of salaries among the regions. Based upon our analysis, there is a trend between the highest and lowest paying regions. The Western, Midwestern, and Southern Regions were the lowest earning regions at the start of their careers.  After 10 years in their careers, they were still the lowest earning regions.</a:t>
             </a:r>
           </a:p>
           <a:p>
             <a:r>
               <a:rPr lang="en-US" dirty="0"/>
-              <a:t>When we conducted an ANOVA test to either reject the Null (no-difference) Hypothesis , or accept the Alternate (different) Hypothesis the. Our statistics assessment results were outside of the normal distribution, rejecting the Null Hypothesis. To conclude, there is a significant difference in Starting Salary and Mid Career Salaries between </a:t>
-            </a:r>
-            <a:r>
-              <a:rPr lang="en-US"/>
-              <a:t>the regions. </a:t>
-            </a:r>
+              <a:t>As it pertains to California and the Northeastern regions, they started their careers earning higher salaries and after 10 years in, they remained the top two earning regions. </a:t>
+            </a:r>
+          </a:p>
+          <a:p>
             <a:endParaRPr lang="en-US" dirty="0"/>
+          </a:p>
+          <a:p>
+            <a:r>
+              <a:rPr lang="en-US" dirty="0"/>
+              <a:t>When we conducted an ANOVA test to either reject the Null (no-difference) Hypothesis , or accept the Alternate (different) Hypothesis; Our results were outside of the normal distribution, rejecting the Null Hypothesis. Therefore, there is a significant difference in Starting Salary and Mid Career Salaries based upon region. What should you do if your motivated by money? Attend a college or university in the California or Northeast region. </a:t>
+            </a:r>
           </a:p>
           <a:p>
             <a:endParaRPr lang="en-US" dirty="0"/>
@@ -915,6 +920,90 @@
     <p:extLst>
       <p:ext uri="{BB962C8B-B14F-4D97-AF65-F5344CB8AC3E}">
         <p14:creationId xmlns:p14="http://schemas.microsoft.com/office/powerpoint/2010/main" val="3728863085"/>
+      </p:ext>
+    </p:extLst>
+  </p:cSld>
+  <p:clrMapOvr>
+    <a:masterClrMapping/>
+  </p:clrMapOvr>
+</p:notes>
+</file>
+
+<file path=ppt/notesSlides/notesSlide5.xml><?xml version="1.0" encoding="utf-8"?>
+<p:notes xmlns:a="http://schemas.openxmlformats.org/drawingml/2006/main" xmlns:r="http://schemas.openxmlformats.org/officeDocument/2006/relationships" xmlns:p="http://schemas.openxmlformats.org/presentationml/2006/main">
+  <p:cSld>
+    <p:spTree>
+      <p:nvGrpSpPr>
+        <p:cNvPr id="1" name=""/>
+        <p:cNvGrpSpPr/>
+        <p:nvPr/>
+      </p:nvGrpSpPr>
+      <p:grpSpPr>
+        <a:xfrm>
+          <a:off x="0" y="0"/>
+          <a:ext cx="0" cy="0"/>
+          <a:chOff x="0" y="0"/>
+          <a:chExt cx="0" cy="0"/>
+        </a:xfrm>
+      </p:grpSpPr>
+      <p:sp>
+        <p:nvSpPr>
+          <p:cNvPr id="2" name="Slide Image Placeholder 1"/>
+          <p:cNvSpPr>
+            <a:spLocks noGrp="1" noRot="1" noChangeAspect="1"/>
+          </p:cNvSpPr>
+          <p:nvPr>
+            <p:ph type="sldImg"/>
+          </p:nvPr>
+        </p:nvSpPr>
+        <p:spPr/>
+      </p:sp>
+      <p:sp>
+        <p:nvSpPr>
+          <p:cNvPr id="3" name="Notes Placeholder 2"/>
+          <p:cNvSpPr>
+            <a:spLocks noGrp="1"/>
+          </p:cNvSpPr>
+          <p:nvPr>
+            <p:ph type="body" idx="1"/>
+          </p:nvPr>
+        </p:nvSpPr>
+        <p:spPr/>
+        <p:txBody>
+          <a:bodyPr/>
+          <a:lstStyle/>
+          <a:p>
+            <a:endParaRPr lang="en-US" dirty="0"/>
+          </a:p>
+        </p:txBody>
+      </p:sp>
+      <p:sp>
+        <p:nvSpPr>
+          <p:cNvPr id="4" name="Slide Number Placeholder 3"/>
+          <p:cNvSpPr>
+            <a:spLocks noGrp="1"/>
+          </p:cNvSpPr>
+          <p:nvPr>
+            <p:ph type="sldNum" sz="quarter" idx="5"/>
+          </p:nvPr>
+        </p:nvSpPr>
+        <p:spPr/>
+        <p:txBody>
+          <a:bodyPr/>
+          <a:lstStyle/>
+          <a:p>
+            <a:fld id="{8DDB4B21-029A-6D4F-BA60-C29E9FBCA19C}" type="slidenum">
+              <a:rPr lang="en-US" smtClean="0"/>
+              <a:t>6</a:t>
+            </a:fld>
+            <a:endParaRPr lang="en-US"/>
+          </a:p>
+        </p:txBody>
+      </p:sp>
+    </p:spTree>
+    <p:extLst>
+      <p:ext uri="{BB962C8B-B14F-4D97-AF65-F5344CB8AC3E}">
+        <p14:creationId xmlns:p14="http://schemas.microsoft.com/office/powerpoint/2010/main" val="4240707287"/>
       </p:ext>
     </p:extLst>
   </p:cSld>
@@ -5018,6 +5107,267 @@
     <p:extLst>
       <p:ext uri="{BB962C8B-B14F-4D97-AF65-F5344CB8AC3E}">
         <p14:creationId xmlns:p14="http://schemas.microsoft.com/office/powerpoint/2010/main" val="108951328"/>
+      </p:ext>
+    </p:extLst>
+  </p:cSld>
+  <p:clrMapOvr>
+    <a:masterClrMapping/>
+  </p:clrMapOvr>
+</p:sld>
+</file>
+
+<file path=ppt/slides/slide6.xml><?xml version="1.0" encoding="utf-8"?>
+<p:sld xmlns:a="http://schemas.openxmlformats.org/drawingml/2006/main" xmlns:r="http://schemas.openxmlformats.org/officeDocument/2006/relationships" xmlns:p="http://schemas.openxmlformats.org/presentationml/2006/main">
+  <p:cSld>
+    <p:bg>
+      <p:bgPr>
+        <a:solidFill>
+          <a:schemeClr val="bg1"/>
+        </a:solidFill>
+        <a:effectLst/>
+      </p:bgPr>
+    </p:bg>
+    <p:spTree>
+      <p:nvGrpSpPr>
+        <p:cNvPr id="1" name=""/>
+        <p:cNvGrpSpPr/>
+        <p:nvPr/>
+      </p:nvGrpSpPr>
+      <p:grpSpPr>
+        <a:xfrm>
+          <a:off x="0" y="0"/>
+          <a:ext cx="0" cy="0"/>
+          <a:chOff x="0" y="0"/>
+          <a:chExt cx="0" cy="0"/>
+        </a:xfrm>
+      </p:grpSpPr>
+      <p:sp>
+        <p:nvSpPr>
+          <p:cNvPr id="10" name="Rectangle 9">
+            <a:extLst>
+              <a:ext uri="{FF2B5EF4-FFF2-40B4-BE49-F238E27FC236}">
+                <a16:creationId xmlns:a16="http://schemas.microsoft.com/office/drawing/2014/main" id="{B9FF99BD-075F-4761-A995-6FC574BD25EA}"/>
+              </a:ext>
+              <a:ext uri="{C183D7F6-B498-43B3-948B-1728B52AA6E4}">
+                <adec:decorative xmlns:adec="http://schemas.microsoft.com/office/drawing/2017/decorative" val="1"/>
+              </a:ext>
+            </a:extLst>
+          </p:cNvPr>
+          <p:cNvSpPr>
+            <a:spLocks noGrp="1" noRot="1" noChangeAspect="1" noMove="1" noResize="1" noEditPoints="1" noAdjustHandles="1" noChangeArrowheads="1" noChangeShapeType="1" noTextEdit="1"/>
+          </p:cNvSpPr>
+          <p:nvPr>
+            <p:extLst>
+              <p:ext uri="{386F3935-93C4-4BCD-93E2-E3B085C9AB24}">
+                <p16:designElem xmlns:p16="http://schemas.microsoft.com/office/powerpoint/2015/main" val="1"/>
+              </p:ext>
+            </p:extLst>
+          </p:nvPr>
+        </p:nvSpPr>
+        <p:spPr>
+          <a:xfrm>
+            <a:off x="0" y="0"/>
+            <a:ext cx="12192000" cy="6858000"/>
+          </a:xfrm>
+          <a:prstGeom prst="rect">
+            <a:avLst/>
+          </a:prstGeom>
+          <a:solidFill>
+            <a:schemeClr val="bg1">
+              <a:lumMod val="65000"/>
+            </a:schemeClr>
+          </a:solidFill>
+          <a:ln>
+            <a:noFill/>
+          </a:ln>
+        </p:spPr>
+        <p:style>
+          <a:lnRef idx="2">
+            <a:schemeClr val="accent1">
+              <a:shade val="50000"/>
+            </a:schemeClr>
+          </a:lnRef>
+          <a:fillRef idx="1">
+            <a:schemeClr val="accent1"/>
+          </a:fillRef>
+          <a:effectRef idx="0">
+            <a:schemeClr val="accent1"/>
+          </a:effectRef>
+          <a:fontRef idx="minor">
+            <a:schemeClr val="lt1"/>
+          </a:fontRef>
+        </p:style>
+        <p:txBody>
+          <a:bodyPr rtlCol="0" anchor="ctr"/>
+          <a:lstStyle/>
+          <a:p>
+            <a:pPr algn="ctr"/>
+            <a:endParaRPr lang="en-US"/>
+          </a:p>
+        </p:txBody>
+      </p:sp>
+      <p:sp>
+        <p:nvSpPr>
+          <p:cNvPr id="12" name="Rectangle 11">
+            <a:extLst>
+              <a:ext uri="{FF2B5EF4-FFF2-40B4-BE49-F238E27FC236}">
+                <a16:creationId xmlns:a16="http://schemas.microsoft.com/office/drawing/2014/main" id="{A7B21A54-9BA3-4EA9-B460-5A829ADD9051}"/>
+              </a:ext>
+              <a:ext uri="{C183D7F6-B498-43B3-948B-1728B52AA6E4}">
+                <adec:decorative xmlns:adec="http://schemas.microsoft.com/office/drawing/2017/decorative" val="1"/>
+              </a:ext>
+            </a:extLst>
+          </p:cNvPr>
+          <p:cNvSpPr>
+            <a:spLocks noGrp="1" noRot="1" noChangeAspect="1" noMove="1" noResize="1" noEditPoints="1" noAdjustHandles="1" noChangeArrowheads="1" noChangeShapeType="1" noTextEdit="1"/>
+          </p:cNvSpPr>
+          <p:nvPr>
+            <p:extLst>
+              <p:ext uri="{386F3935-93C4-4BCD-93E2-E3B085C9AB24}">
+                <p16:designElem xmlns:p16="http://schemas.microsoft.com/office/powerpoint/2015/main" val="1"/>
+              </p:ext>
+            </p:extLst>
+          </p:nvPr>
+        </p:nvSpPr>
+        <p:spPr>
+          <a:xfrm>
+            <a:off x="477012" y="480060"/>
+            <a:ext cx="11237976" cy="5897880"/>
+          </a:xfrm>
+          <a:prstGeom prst="rect">
+            <a:avLst/>
+          </a:prstGeom>
+          <a:noFill/>
+          <a:ln>
+            <a:solidFill>
+              <a:schemeClr val="bg1"/>
+            </a:solidFill>
+          </a:ln>
+        </p:spPr>
+        <p:style>
+          <a:lnRef idx="2">
+            <a:schemeClr val="accent1">
+              <a:shade val="50000"/>
+            </a:schemeClr>
+          </a:lnRef>
+          <a:fillRef idx="1">
+            <a:schemeClr val="accent1"/>
+          </a:fillRef>
+          <a:effectRef idx="0">
+            <a:schemeClr val="accent1"/>
+          </a:effectRef>
+          <a:fontRef idx="minor">
+            <a:schemeClr val="lt1"/>
+          </a:fontRef>
+        </p:style>
+        <p:txBody>
+          <a:bodyPr rtlCol="0" anchor="ctr"/>
+          <a:lstStyle/>
+          <a:p>
+            <a:pPr algn="ctr"/>
+            <a:endParaRPr lang="en-US"/>
+          </a:p>
+        </p:txBody>
+      </p:sp>
+      <p:sp>
+        <p:nvSpPr>
+          <p:cNvPr id="14" name="Rectangle 13">
+            <a:extLst>
+              <a:ext uri="{FF2B5EF4-FFF2-40B4-BE49-F238E27FC236}">
+                <a16:creationId xmlns:a16="http://schemas.microsoft.com/office/drawing/2014/main" id="{6FA8F714-B9D8-488A-8CCA-E9948FF913A9}"/>
+              </a:ext>
+              <a:ext uri="{C183D7F6-B498-43B3-948B-1728B52AA6E4}">
+                <adec:decorative xmlns:adec="http://schemas.microsoft.com/office/drawing/2017/decorative" val="1"/>
+              </a:ext>
+            </a:extLst>
+          </p:cNvPr>
+          <p:cNvSpPr>
+            <a:spLocks noGrp="1" noRot="1" noChangeAspect="1" noMove="1" noResize="1" noEditPoints="1" noAdjustHandles="1" noChangeArrowheads="1" noChangeShapeType="1" noTextEdit="1"/>
+          </p:cNvSpPr>
+          <p:nvPr>
+            <p:extLst>
+              <p:ext uri="{386F3935-93C4-4BCD-93E2-E3B085C9AB24}">
+                <p16:designElem xmlns:p16="http://schemas.microsoft.com/office/powerpoint/2015/main" val="1"/>
+              </p:ext>
+            </p:extLst>
+          </p:nvPr>
+        </p:nvSpPr>
+        <p:spPr>
+          <a:xfrm>
+            <a:off x="643466" y="643468"/>
+            <a:ext cx="10905067" cy="5571066"/>
+          </a:xfrm>
+          <a:prstGeom prst="rect">
+            <a:avLst/>
+          </a:prstGeom>
+          <a:solidFill>
+            <a:srgbClr val="FFFFFF"/>
+          </a:solidFill>
+          <a:ln>
+            <a:noFill/>
+          </a:ln>
+        </p:spPr>
+        <p:style>
+          <a:lnRef idx="2">
+            <a:schemeClr val="accent1">
+              <a:shade val="50000"/>
+            </a:schemeClr>
+          </a:lnRef>
+          <a:fillRef idx="1">
+            <a:schemeClr val="accent1"/>
+          </a:fillRef>
+          <a:effectRef idx="0">
+            <a:schemeClr val="accent1"/>
+          </a:effectRef>
+          <a:fontRef idx="minor">
+            <a:schemeClr val="lt1"/>
+          </a:fontRef>
+        </p:style>
+        <p:txBody>
+          <a:bodyPr rtlCol="0" anchor="ctr"/>
+          <a:lstStyle/>
+          <a:p>
+            <a:pPr algn="ctr"/>
+            <a:endParaRPr lang="en-US"/>
+          </a:p>
+        </p:txBody>
+      </p:sp>
+      <p:pic>
+        <p:nvPicPr>
+          <p:cNvPr id="5" name="Content Placeholder 4" descr="A close up of a map&#10;&#10;Description automatically generated">
+            <a:extLst>
+              <a:ext uri="{FF2B5EF4-FFF2-40B4-BE49-F238E27FC236}">
+                <a16:creationId xmlns:a16="http://schemas.microsoft.com/office/drawing/2014/main" id="{746FE534-E88C-3449-8CD0-5976F3B0E782}"/>
+              </a:ext>
+            </a:extLst>
+          </p:cNvPr>
+          <p:cNvPicPr>
+            <a:picLocks noGrp="1" noChangeAspect="1"/>
+          </p:cNvPicPr>
+          <p:nvPr>
+            <p:ph idx="1"/>
+          </p:nvPr>
+        </p:nvPicPr>
+        <p:blipFill>
+          <a:blip r:embed="rId3"/>
+          <a:stretch>
+            <a:fillRect/>
+          </a:stretch>
+        </p:blipFill>
+        <p:spPr>
+          <a:xfrm>
+            <a:off x="1197272" y="1123527"/>
+            <a:ext cx="9797451" cy="4604800"/>
+          </a:xfrm>
+          <a:prstGeom prst="rect">
+            <a:avLst/>
+          </a:prstGeom>
+        </p:spPr>
+      </p:pic>
+    </p:spTree>
+    <p:extLst>
+      <p:ext uri="{BB962C8B-B14F-4D97-AF65-F5344CB8AC3E}">
+        <p14:creationId xmlns:p14="http://schemas.microsoft.com/office/powerpoint/2010/main" val="41056172"/>
       </p:ext>
     </p:extLst>
   </p:cSld>
